--- a/document/Zinzara_종합설계_설계서(2차).pptx
+++ b/document/Zinzara_종합설계_설계서(2차).pptx
@@ -303,7 +303,7 @@
           <a:p>
             <a:fld id="{3F8A50C2-589C-42C8-B763-56D87D9D16BD}" type="datetimeFigureOut">
               <a:rPr lang="ko-KR" altLang="en-US" smtClean="0"/>
-              <a:t>2022-03-04</a:t>
+              <a:t>2022-03-07</a:t>
             </a:fld>
             <a:endParaRPr lang="ko-KR" altLang="en-US"/>
           </a:p>
@@ -591,7 +591,7 @@
           <a:p>
             <a:fld id="{3F8A50C2-589C-42C8-B763-56D87D9D16BD}" type="datetimeFigureOut">
               <a:rPr lang="ko-KR" altLang="en-US" smtClean="0"/>
-              <a:t>2022-03-04</a:t>
+              <a:t>2022-03-07</a:t>
             </a:fld>
             <a:endParaRPr lang="ko-KR" altLang="en-US"/>
           </a:p>
@@ -789,7 +789,7 @@
           <a:p>
             <a:fld id="{3F8A50C2-589C-42C8-B763-56D87D9D16BD}" type="datetimeFigureOut">
               <a:rPr lang="ko-KR" altLang="en-US" smtClean="0"/>
-              <a:t>2022-03-04</a:t>
+              <a:t>2022-03-07</a:t>
             </a:fld>
             <a:endParaRPr lang="ko-KR" altLang="en-US"/>
           </a:p>
@@ -997,7 +997,7 @@
           <a:p>
             <a:fld id="{3F8A50C2-589C-42C8-B763-56D87D9D16BD}" type="datetimeFigureOut">
               <a:rPr lang="ko-KR" altLang="en-US" smtClean="0"/>
-              <a:t>2022-03-04</a:t>
+              <a:t>2022-03-07</a:t>
             </a:fld>
             <a:endParaRPr lang="ko-KR" altLang="en-US"/>
           </a:p>
@@ -1195,7 +1195,7 @@
           <a:p>
             <a:fld id="{3F8A50C2-589C-42C8-B763-56D87D9D16BD}" type="datetimeFigureOut">
               <a:rPr lang="ko-KR" altLang="en-US" smtClean="0"/>
-              <a:t>2022-03-04</a:t>
+              <a:t>2022-03-07</a:t>
             </a:fld>
             <a:endParaRPr lang="ko-KR" altLang="en-US"/>
           </a:p>
@@ -1470,7 +1470,7 @@
           <a:p>
             <a:fld id="{3F8A50C2-589C-42C8-B763-56D87D9D16BD}" type="datetimeFigureOut">
               <a:rPr lang="ko-KR" altLang="en-US" smtClean="0"/>
-              <a:t>2022-03-04</a:t>
+              <a:t>2022-03-07</a:t>
             </a:fld>
             <a:endParaRPr lang="ko-KR" altLang="en-US"/>
           </a:p>
@@ -1735,7 +1735,7 @@
           <a:p>
             <a:fld id="{3F8A50C2-589C-42C8-B763-56D87D9D16BD}" type="datetimeFigureOut">
               <a:rPr lang="ko-KR" altLang="en-US" smtClean="0"/>
-              <a:t>2022-03-04</a:t>
+              <a:t>2022-03-07</a:t>
             </a:fld>
             <a:endParaRPr lang="ko-KR" altLang="en-US"/>
           </a:p>
@@ -2147,7 +2147,7 @@
           <a:p>
             <a:fld id="{3F8A50C2-589C-42C8-B763-56D87D9D16BD}" type="datetimeFigureOut">
               <a:rPr lang="ko-KR" altLang="en-US" smtClean="0"/>
-              <a:t>2022-03-04</a:t>
+              <a:t>2022-03-07</a:t>
             </a:fld>
             <a:endParaRPr lang="ko-KR" altLang="en-US"/>
           </a:p>
@@ -2288,7 +2288,7 @@
           <a:p>
             <a:fld id="{3F8A50C2-589C-42C8-B763-56D87D9D16BD}" type="datetimeFigureOut">
               <a:rPr lang="ko-KR" altLang="en-US" smtClean="0"/>
-              <a:t>2022-03-04</a:t>
+              <a:t>2022-03-07</a:t>
             </a:fld>
             <a:endParaRPr lang="ko-KR" altLang="en-US"/>
           </a:p>
@@ -2401,7 +2401,7 @@
           <a:p>
             <a:fld id="{3F8A50C2-589C-42C8-B763-56D87D9D16BD}" type="datetimeFigureOut">
               <a:rPr lang="ko-KR" altLang="en-US" smtClean="0"/>
-              <a:t>2022-03-04</a:t>
+              <a:t>2022-03-07</a:t>
             </a:fld>
             <a:endParaRPr lang="ko-KR" altLang="en-US"/>
           </a:p>
@@ -2661,7 +2661,7 @@
           <a:p>
             <a:fld id="{3F8A50C2-589C-42C8-B763-56D87D9D16BD}" type="datetimeFigureOut">
               <a:rPr lang="ko-KR" altLang="en-US" smtClean="0"/>
-              <a:t>2022-03-04</a:t>
+              <a:t>2022-03-07</a:t>
             </a:fld>
             <a:endParaRPr lang="ko-KR" altLang="en-US"/>
           </a:p>
@@ -2972,7 +2972,7 @@
           <a:p>
             <a:fld id="{3F8A50C2-589C-42C8-B763-56D87D9D16BD}" type="datetimeFigureOut">
               <a:rPr lang="ko-KR" altLang="en-US" smtClean="0"/>
-              <a:t>2022-03-04</a:t>
+              <a:t>2022-03-07</a:t>
             </a:fld>
             <a:endParaRPr lang="ko-KR" altLang="en-US"/>
           </a:p>
@@ -3213,7 +3213,7 @@
           <a:p>
             <a:fld id="{3F8A50C2-589C-42C8-B763-56D87D9D16BD}" type="datetimeFigureOut">
               <a:rPr lang="ko-KR" altLang="en-US" smtClean="0"/>
-              <a:t>2022-03-04</a:t>
+              <a:t>2022-03-07</a:t>
             </a:fld>
             <a:endParaRPr lang="ko-KR" altLang="en-US"/>
           </a:p>
@@ -8288,7 +8288,7 @@
           <p:nvPr>
             <p:extLst>
               <p:ext uri="{D42A27DB-BD31-4B8C-83A1-F6EECF244321}">
-                <p14:modId xmlns:p14="http://schemas.microsoft.com/office/powerpoint/2010/main" val="3994912922"/>
+                <p14:modId xmlns:p14="http://schemas.microsoft.com/office/powerpoint/2010/main" val="2154270615"/>
               </p:ext>
             </p:extLst>
           </p:nvPr>
@@ -8567,9 +8567,10 @@
                     <a:p>
                       <a:pPr latinLnBrk="1"/>
                       <a:r>
-                        <a:rPr lang="ko-KR" altLang="en-US" dirty="0"/>
+                        <a:rPr lang="ko-KR" altLang="en-US"/>
                         <a:t>예시</a:t>
                       </a:r>
+                      <a:endParaRPr lang="ko-KR" altLang="en-US" dirty="0"/>
                     </a:p>
                   </a:txBody>
                   <a:tcPr anchor="ctr"/>
@@ -8580,22 +8581,6 @@
                     <a:lstStyle/>
                     <a:p>
                       <a:pPr latinLnBrk="1"/>
-                      <a:r>
-                        <a:rPr lang="en-US" altLang="ko-KR" dirty="0" err="1"/>
-                        <a:t>requestSignIn</a:t>
-                      </a:r>
-                      <a:r>
-                        <a:rPr lang="en-US" altLang="ko-KR" dirty="0"/>
-                        <a:t>(</a:t>
-                      </a:r>
-                      <a:r>
-                        <a:rPr lang="en-US" altLang="ko-KR" dirty="0" err="1"/>
-                        <a:t>SignInInfo</a:t>
-                      </a:r>
-                      <a:r>
-                        <a:rPr lang="en-US" altLang="ko-KR" dirty="0"/>
-                        <a:t>)</a:t>
-                      </a:r>
                       <a:endParaRPr lang="ko-KR" altLang="en-US" dirty="0"/>
                     </a:p>
                   </a:txBody>
@@ -8850,7 +8835,7 @@
           <p:nvPr>
             <p:extLst>
               <p:ext uri="{D42A27DB-BD31-4B8C-83A1-F6EECF244321}">
-                <p14:modId xmlns:p14="http://schemas.microsoft.com/office/powerpoint/2010/main" val="46918180"/>
+                <p14:modId xmlns:p14="http://schemas.microsoft.com/office/powerpoint/2010/main" val="2507224206"/>
               </p:ext>
             </p:extLst>
           </p:nvPr>
@@ -9084,7 +9069,7 @@
                       <a:pPr latinLnBrk="1"/>
                       <a:r>
                         <a:rPr lang="en-US" altLang="ko-KR" dirty="0" err="1"/>
-                        <a:t>requestSignIn</a:t>
+                        <a:t>requestSignUp</a:t>
                       </a:r>
                       <a:r>
                         <a:rPr lang="en-US" altLang="ko-KR" dirty="0"/>
@@ -9128,7 +9113,7 @@
           <p:nvPr>
             <p:extLst>
               <p:ext uri="{D42A27DB-BD31-4B8C-83A1-F6EECF244321}">
-                <p14:modId xmlns:p14="http://schemas.microsoft.com/office/powerpoint/2010/main" val="4275087481"/>
+                <p14:modId xmlns:p14="http://schemas.microsoft.com/office/powerpoint/2010/main" val="2218273409"/>
               </p:ext>
             </p:extLst>
           </p:nvPr>
@@ -9396,22 +9381,6 @@
                     <a:lstStyle/>
                     <a:p>
                       <a:pPr latinLnBrk="1"/>
-                      <a:r>
-                        <a:rPr lang="en-US" altLang="ko-KR" dirty="0" err="1"/>
-                        <a:t>requestSignIn</a:t>
-                      </a:r>
-                      <a:r>
-                        <a:rPr lang="en-US" altLang="ko-KR" dirty="0"/>
-                        <a:t>(</a:t>
-                      </a:r>
-                      <a:r>
-                        <a:rPr lang="en-US" altLang="ko-KR" dirty="0" err="1"/>
-                        <a:t>SignInInfo</a:t>
-                      </a:r>
-                      <a:r>
-                        <a:rPr lang="en-US" altLang="ko-KR" dirty="0"/>
-                        <a:t>)</a:t>
-                      </a:r>
                       <a:endParaRPr lang="ko-KR" altLang="en-US" dirty="0"/>
                     </a:p>
                   </a:txBody>
@@ -9948,7 +9917,7 @@
           <p:nvPr>
             <p:extLst>
               <p:ext uri="{D42A27DB-BD31-4B8C-83A1-F6EECF244321}">
-                <p14:modId xmlns:p14="http://schemas.microsoft.com/office/powerpoint/2010/main" val="879931733"/>
+                <p14:modId xmlns:p14="http://schemas.microsoft.com/office/powerpoint/2010/main" val="3663539423"/>
               </p:ext>
             </p:extLst>
           </p:nvPr>
@@ -9988,7 +9957,7 @@
                       <a:pPr latinLnBrk="1"/>
                       <a:r>
                         <a:rPr lang="ko-KR" altLang="en-US" dirty="0"/>
-                        <a:t>명령 정보 저장 함수</a:t>
+                        <a:t>디바이스 명령 정보 저장 함수</a:t>
                       </a:r>
                     </a:p>
                   </a:txBody>
@@ -10192,22 +10161,6 @@
                     <a:lstStyle/>
                     <a:p>
                       <a:pPr latinLnBrk="1"/>
-                      <a:r>
-                        <a:rPr lang="en-US" altLang="ko-KR" dirty="0" err="1"/>
-                        <a:t>requestSignIn</a:t>
-                      </a:r>
-                      <a:r>
-                        <a:rPr lang="en-US" altLang="ko-KR" dirty="0"/>
-                        <a:t>(</a:t>
-                      </a:r>
-                      <a:r>
-                        <a:rPr lang="en-US" altLang="ko-KR" dirty="0" err="1"/>
-                        <a:t>SignInInfo</a:t>
-                      </a:r>
-                      <a:r>
-                        <a:rPr lang="en-US" altLang="ko-KR" dirty="0"/>
-                        <a:t>)</a:t>
-                      </a:r>
                       <a:endParaRPr lang="ko-KR" altLang="en-US" dirty="0"/>
                     </a:p>
                   </a:txBody>
@@ -10462,7 +10415,7 @@
           <p:nvPr>
             <p:extLst>
               <p:ext uri="{D42A27DB-BD31-4B8C-83A1-F6EECF244321}">
-                <p14:modId xmlns:p14="http://schemas.microsoft.com/office/powerpoint/2010/main" val="831359474"/>
+                <p14:modId xmlns:p14="http://schemas.microsoft.com/office/powerpoint/2010/main" val="3202504117"/>
               </p:ext>
             </p:extLst>
           </p:nvPr>
@@ -10717,10 +10670,26 @@
                     <a:bodyPr/>
                     <a:lstStyle/>
                     <a:p>
-                      <a:pPr latinLnBrk="1"/>
+                      <a:pPr marL="0" marR="0" lvl="0" indent="0" algn="l" defTabSz="914400" rtl="0" eaLnBrk="1" fontAlgn="auto" latinLnBrk="1" hangingPunct="1">
+                        <a:lnSpc>
+                          <a:spcPct val="100000"/>
+                        </a:lnSpc>
+                        <a:spcBef>
+                          <a:spcPts val="0"/>
+                        </a:spcBef>
+                        <a:spcAft>
+                          <a:spcPts val="0"/>
+                        </a:spcAft>
+                        <a:buClrTx/>
+                        <a:buSzTx/>
+                        <a:buFontTx/>
+                        <a:buNone/>
+                        <a:tabLst/>
+                        <a:defRPr/>
+                      </a:pPr>
                       <a:r>
                         <a:rPr lang="en-US" altLang="ko-KR" dirty="0" err="1"/>
-                        <a:t>requestSignIn</a:t>
+                        <a:t>postReLanguage</a:t>
                       </a:r>
                       <a:r>
                         <a:rPr lang="en-US" altLang="ko-KR" dirty="0"/>
@@ -10728,7 +10697,7 @@
                       </a:r>
                       <a:r>
                         <a:rPr lang="en-US" altLang="ko-KR" dirty="0" err="1"/>
-                        <a:t>SignInInfo</a:t>
+                        <a:t>ReLanguageSend</a:t>
                       </a:r>
                       <a:r>
                         <a:rPr lang="en-US" altLang="ko-KR" dirty="0"/>
@@ -10764,7 +10733,7 @@
           <p:nvPr>
             <p:extLst>
               <p:ext uri="{D42A27DB-BD31-4B8C-83A1-F6EECF244321}">
-                <p14:modId xmlns:p14="http://schemas.microsoft.com/office/powerpoint/2010/main" val="479637424"/>
+                <p14:modId xmlns:p14="http://schemas.microsoft.com/office/powerpoint/2010/main" val="1840657460"/>
               </p:ext>
             </p:extLst>
           </p:nvPr>
@@ -10927,7 +10896,7 @@
                   </a:ext>
                 </a:extLst>
               </a:tr>
-              <a:tr h="370840">
+              <a:tr h="521101">
                 <a:tc>
                   <a:txBody>
                     <a:bodyPr/>
@@ -11007,9 +10976,10 @@
                     <a:p>
                       <a:pPr latinLnBrk="1"/>
                       <a:r>
-                        <a:rPr lang="ko-KR" altLang="en-US" dirty="0"/>
+                        <a:rPr lang="ko-KR" altLang="en-US"/>
                         <a:t>예시</a:t>
                       </a:r>
+                      <a:endParaRPr lang="ko-KR" altLang="en-US" dirty="0"/>
                     </a:p>
                   </a:txBody>
                   <a:tcPr anchor="ctr"/>
@@ -11022,7 +10992,7 @@
                       <a:pPr latinLnBrk="1"/>
                       <a:r>
                         <a:rPr lang="en-US" altLang="ko-KR" dirty="0" err="1"/>
-                        <a:t>requestSignIn</a:t>
+                        <a:t>postReExercise</a:t>
                       </a:r>
                       <a:r>
                         <a:rPr lang="en-US" altLang="ko-KR" dirty="0"/>
@@ -11030,7 +11000,7 @@
                       </a:r>
                       <a:r>
                         <a:rPr lang="en-US" altLang="ko-KR" dirty="0" err="1"/>
-                        <a:t>SignInInfo</a:t>
+                        <a:t>ReExerciseSend</a:t>
                       </a:r>
                       <a:r>
                         <a:rPr lang="en-US" altLang="ko-KR" dirty="0"/>
@@ -18587,7 +18557,7 @@
         </p:nvSpPr>
         <p:spPr>
           <a:xfrm flipH="1">
-            <a:off x="584199" y="2038331"/>
+            <a:off x="584199" y="1428731"/>
             <a:ext cx="3591561" cy="523220"/>
           </a:xfrm>
           <a:prstGeom prst="rect">
@@ -18636,7 +18606,7 @@
         </p:nvCxnSpPr>
         <p:spPr>
           <a:xfrm>
-            <a:off x="657859" y="2777632"/>
+            <a:off x="657859" y="2168032"/>
             <a:ext cx="734061" cy="0"/>
           </a:xfrm>
           <a:prstGeom prst="line">
@@ -18673,8 +18643,8 @@
         </p:nvSpPr>
         <p:spPr>
           <a:xfrm>
-            <a:off x="584199" y="3069914"/>
-            <a:ext cx="8991467" cy="2554545"/>
+            <a:off x="584199" y="2460314"/>
+            <a:ext cx="8991467" cy="3477875"/>
           </a:xfrm>
           <a:prstGeom prst="rect">
             <a:avLst/>
@@ -18787,6 +18757,30 @@
               <a:rPr lang="en-US" altLang="ko-KR" sz="2000" dirty="0"/>
               <a:t>2)</a:t>
             </a:r>
+          </a:p>
+          <a:p>
+            <a:pPr algn="just"/>
+            <a:r>
+              <a:rPr lang="ko-KR" altLang="en-US" sz="2000" dirty="0"/>
+              <a:t>음성과 모션을 활용한 재활 프로그램 추가</a:t>
+            </a:r>
+            <a:endParaRPr lang="en-US" altLang="ko-KR" sz="2000" dirty="0"/>
+          </a:p>
+          <a:p>
+            <a:pPr algn="just"/>
+            <a:endParaRPr lang="en-US" altLang="ko-KR" sz="2000" dirty="0"/>
+          </a:p>
+          <a:p>
+            <a:pPr algn="just"/>
+            <a:r>
+              <a:rPr lang="en-US" altLang="ko-KR" sz="2000" dirty="0"/>
+              <a:t>3</a:t>
+            </a:r>
+            <a:r>
+              <a:rPr lang="en-US" altLang="ko-KR" sz="2000"/>
+              <a:t>)</a:t>
+            </a:r>
+            <a:endParaRPr lang="en-US" altLang="ko-KR" sz="2000" dirty="0"/>
           </a:p>
           <a:p>
             <a:pPr algn="just"/>

--- a/document/Zinzara_종합설계_설계서(2차).pptx
+++ b/document/Zinzara_종합설계_설계서(2차).pptx
@@ -31,14 +31,15 @@
     <p:sldId id="319" r:id="rId25"/>
     <p:sldId id="321" r:id="rId26"/>
     <p:sldId id="311" r:id="rId27"/>
-    <p:sldId id="322" r:id="rId28"/>
-    <p:sldId id="323" r:id="rId29"/>
-    <p:sldId id="324" r:id="rId30"/>
-    <p:sldId id="325" r:id="rId31"/>
-    <p:sldId id="326" r:id="rId32"/>
-    <p:sldId id="327" r:id="rId33"/>
-    <p:sldId id="328" r:id="rId34"/>
-    <p:sldId id="256" r:id="rId35"/>
+    <p:sldId id="330" r:id="rId28"/>
+    <p:sldId id="322" r:id="rId29"/>
+    <p:sldId id="323" r:id="rId30"/>
+    <p:sldId id="324" r:id="rId31"/>
+    <p:sldId id="325" r:id="rId32"/>
+    <p:sldId id="326" r:id="rId33"/>
+    <p:sldId id="327" r:id="rId34"/>
+    <p:sldId id="328" r:id="rId35"/>
+    <p:sldId id="256" r:id="rId36"/>
   </p:sldIdLst>
   <p:sldSz cx="12192000" cy="6858000"/>
   <p:notesSz cx="6858000" cy="9144000"/>
@@ -6502,8 +6503,8 @@
         </p:blipFill>
         <p:spPr>
           <a:xfrm>
-            <a:off x="1289538" y="2141747"/>
-            <a:ext cx="4806462" cy="1756966"/>
+            <a:off x="841096" y="2276373"/>
+            <a:ext cx="5319872" cy="1944639"/>
           </a:xfrm>
           <a:prstGeom prst="rect">
             <a:avLst/>
@@ -6524,7 +6525,7 @@
         </p:nvSpPr>
         <p:spPr>
           <a:xfrm>
-            <a:off x="6955486" y="2660845"/>
+            <a:off x="6706104" y="2808627"/>
             <a:ext cx="2332893" cy="369332"/>
           </a:xfrm>
           <a:prstGeom prst="rect">
@@ -6568,7 +6569,7 @@
         </p:nvSpPr>
         <p:spPr>
           <a:xfrm>
-            <a:off x="6955486" y="3204439"/>
+            <a:off x="6706104" y="3352221"/>
             <a:ext cx="3798277" cy="369332"/>
           </a:xfrm>
           <a:prstGeom prst="rect">
@@ -6611,8 +6612,8 @@
         </p:nvSpPr>
         <p:spPr>
           <a:xfrm>
-            <a:off x="1016822" y="1565282"/>
-            <a:ext cx="4431323" cy="369332"/>
+            <a:off x="778733" y="1395035"/>
+            <a:ext cx="3580832" cy="461665"/>
           </a:xfrm>
           <a:prstGeom prst="rect">
             <a:avLst/>
@@ -6626,7 +6627,7 @@
           <a:lstStyle/>
           <a:p>
             <a:r>
-              <a:rPr lang="ko-KR" altLang="en-US" dirty="0"/>
+              <a:rPr lang="ko-KR" altLang="en-US" sz="2400" b="1" dirty="0"/>
               <a:t>손가락 제스처 판별 모델</a:t>
             </a:r>
           </a:p>
@@ -6646,8 +6647,8 @@
         </p:nvSpPr>
         <p:spPr>
           <a:xfrm>
-            <a:off x="1239163" y="4464934"/>
-            <a:ext cx="8402199" cy="1200329"/>
+            <a:off x="1750883" y="4682311"/>
+            <a:ext cx="7941782" cy="1200329"/>
           </a:xfrm>
           <a:prstGeom prst="rect">
             <a:avLst/>
@@ -6682,12 +6683,17 @@
             </a:r>
             <a:r>
               <a:rPr lang="ko-KR" altLang="en-US" dirty="0"/>
-              <a:t> 각 좌표들의 거리와 기울기를 기반으로 손가락 제스처를 판별하는 모델 생성</a:t>
-            </a:r>
-            <a:r>
-              <a:rPr lang="en-US" altLang="ko-KR" dirty="0"/>
-              <a:t>.</a:t>
-            </a:r>
+              <a:t> 좌표들을 이용해 거리와 기울기를 구하고 이를 기반으로 </a:t>
+            </a:r>
+            <a:r>
+              <a:rPr lang="ko-KR" altLang="en-US" dirty="0" err="1"/>
+              <a:t>제스쳐를</a:t>
+            </a:r>
+            <a:r>
+              <a:rPr lang="ko-KR" altLang="en-US" dirty="0"/>
+              <a:t> 판별하는 모델을 생성</a:t>
+            </a:r>
+            <a:endParaRPr lang="en-US" altLang="ko-KR" dirty="0"/>
           </a:p>
           <a:p>
             <a:endParaRPr lang="en-US" altLang="ko-KR" dirty="0"/>
@@ -6712,6 +6718,43 @@
           </a:p>
         </p:txBody>
       </p:sp>
+      <p:cxnSp>
+        <p:nvCxnSpPr>
+          <p:cNvPr id="17" name="직선 연결선 16">
+            <a:extLst>
+              <a:ext uri="{FF2B5EF4-FFF2-40B4-BE49-F238E27FC236}">
+                <a16:creationId xmlns:a16="http://schemas.microsoft.com/office/drawing/2014/main" id="{4D0D36D3-EB50-4F13-966E-CA889D5F30EB}"/>
+              </a:ext>
+            </a:extLst>
+          </p:cNvPr>
+          <p:cNvCxnSpPr/>
+          <p:nvPr/>
+        </p:nvCxnSpPr>
+        <p:spPr>
+          <a:xfrm>
+            <a:off x="1016822" y="2020250"/>
+            <a:ext cx="734061" cy="0"/>
+          </a:xfrm>
+          <a:prstGeom prst="line">
+            <a:avLst/>
+          </a:prstGeom>
+          <a:ln w="57150"/>
+        </p:spPr>
+        <p:style>
+          <a:lnRef idx="1">
+            <a:schemeClr val="accent1"/>
+          </a:lnRef>
+          <a:fillRef idx="0">
+            <a:schemeClr val="accent1"/>
+          </a:fillRef>
+          <a:effectRef idx="0">
+            <a:schemeClr val="accent1"/>
+          </a:effectRef>
+          <a:fontRef idx="minor">
+            <a:schemeClr val="tx1"/>
+          </a:fontRef>
+        </p:style>
+      </p:cxnSp>
     </p:spTree>
     <p:extLst>
       <p:ext uri="{BB962C8B-B14F-4D97-AF65-F5344CB8AC3E}">
@@ -17222,6 +17265,582 @@
         </p:nvSpPr>
         <p:spPr>
           <a:xfrm>
+            <a:off x="1193801" y="2276375"/>
+            <a:ext cx="2834638" cy="2834638"/>
+          </a:xfrm>
+          <a:prstGeom prst="rect">
+            <a:avLst/>
+          </a:prstGeom>
+          <a:ln>
+            <a:noFill/>
+          </a:ln>
+        </p:spPr>
+        <p:style>
+          <a:lnRef idx="2">
+            <a:schemeClr val="accent1">
+              <a:shade val="50000"/>
+            </a:schemeClr>
+          </a:lnRef>
+          <a:fillRef idx="1">
+            <a:schemeClr val="accent1"/>
+          </a:fillRef>
+          <a:effectRef idx="0">
+            <a:schemeClr val="accent1"/>
+          </a:effectRef>
+          <a:fontRef idx="minor">
+            <a:schemeClr val="lt1"/>
+          </a:fontRef>
+        </p:style>
+        <p:txBody>
+          <a:bodyPr rtlCol="0" anchor="ctr"/>
+          <a:lstStyle/>
+          <a:p>
+            <a:pPr algn="ctr"/>
+            <a:endParaRPr lang="ko-KR" altLang="en-US"/>
+          </a:p>
+        </p:txBody>
+      </p:sp>
+      <p:sp>
+        <p:nvSpPr>
+          <p:cNvPr id="8" name="직사각형 7">
+            <a:extLst>
+              <a:ext uri="{FF2B5EF4-FFF2-40B4-BE49-F238E27FC236}">
+                <a16:creationId xmlns:a16="http://schemas.microsoft.com/office/drawing/2014/main" id="{10B6A773-A827-4046-B247-B1C7357525BB}"/>
+              </a:ext>
+            </a:extLst>
+          </p:cNvPr>
+          <p:cNvSpPr/>
+          <p:nvPr/>
+        </p:nvSpPr>
+        <p:spPr>
+          <a:xfrm>
+            <a:off x="4678681" y="2276375"/>
+            <a:ext cx="2834638" cy="2834638"/>
+          </a:xfrm>
+          <a:prstGeom prst="rect">
+            <a:avLst/>
+          </a:prstGeom>
+          <a:ln>
+            <a:noFill/>
+          </a:ln>
+        </p:spPr>
+        <p:style>
+          <a:lnRef idx="2">
+            <a:schemeClr val="accent1">
+              <a:shade val="50000"/>
+            </a:schemeClr>
+          </a:lnRef>
+          <a:fillRef idx="1">
+            <a:schemeClr val="accent1"/>
+          </a:fillRef>
+          <a:effectRef idx="0">
+            <a:schemeClr val="accent1"/>
+          </a:effectRef>
+          <a:fontRef idx="minor">
+            <a:schemeClr val="lt1"/>
+          </a:fontRef>
+        </p:style>
+        <p:txBody>
+          <a:bodyPr rtlCol="0" anchor="ctr"/>
+          <a:lstStyle/>
+          <a:p>
+            <a:pPr algn="ctr"/>
+            <a:endParaRPr lang="ko-KR" altLang="en-US"/>
+          </a:p>
+        </p:txBody>
+      </p:sp>
+      <p:sp>
+        <p:nvSpPr>
+          <p:cNvPr id="10" name="직사각형 9">
+            <a:extLst>
+              <a:ext uri="{FF2B5EF4-FFF2-40B4-BE49-F238E27FC236}">
+                <a16:creationId xmlns:a16="http://schemas.microsoft.com/office/drawing/2014/main" id="{87E8689F-8600-492A-B63D-4AF4AD9D4E1A}"/>
+              </a:ext>
+            </a:extLst>
+          </p:cNvPr>
+          <p:cNvSpPr/>
+          <p:nvPr/>
+        </p:nvSpPr>
+        <p:spPr>
+          <a:xfrm>
+            <a:off x="8163561" y="2276375"/>
+            <a:ext cx="2834638" cy="2834638"/>
+          </a:xfrm>
+          <a:prstGeom prst="rect">
+            <a:avLst/>
+          </a:prstGeom>
+          <a:ln>
+            <a:noFill/>
+          </a:ln>
+        </p:spPr>
+        <p:style>
+          <a:lnRef idx="2">
+            <a:schemeClr val="accent1">
+              <a:shade val="50000"/>
+            </a:schemeClr>
+          </a:lnRef>
+          <a:fillRef idx="1">
+            <a:schemeClr val="accent1"/>
+          </a:fillRef>
+          <a:effectRef idx="0">
+            <a:schemeClr val="accent1"/>
+          </a:effectRef>
+          <a:fontRef idx="minor">
+            <a:schemeClr val="lt1"/>
+          </a:fontRef>
+        </p:style>
+        <p:txBody>
+          <a:bodyPr rtlCol="0" anchor="ctr"/>
+          <a:lstStyle/>
+          <a:p>
+            <a:pPr algn="ctr"/>
+            <a:endParaRPr lang="ko-KR" altLang="en-US"/>
+          </a:p>
+        </p:txBody>
+      </p:sp>
+      <p:sp>
+        <p:nvSpPr>
+          <p:cNvPr id="17" name="TextBox 16">
+            <a:extLst>
+              <a:ext uri="{FF2B5EF4-FFF2-40B4-BE49-F238E27FC236}">
+                <a16:creationId xmlns:a16="http://schemas.microsoft.com/office/drawing/2014/main" id="{E235E5DB-5E98-4F8B-B058-9ECEF7C719E1}"/>
+              </a:ext>
+            </a:extLst>
+          </p:cNvPr>
+          <p:cNvSpPr txBox="1"/>
+          <p:nvPr/>
+        </p:nvSpPr>
+        <p:spPr>
+          <a:xfrm>
+            <a:off x="2142727" y="5121537"/>
+            <a:ext cx="1146479" cy="369332"/>
+          </a:xfrm>
+          <a:prstGeom prst="rect">
+            <a:avLst/>
+          </a:prstGeom>
+          <a:noFill/>
+        </p:spPr>
+        <p:txBody>
+          <a:bodyPr wrap="square" rtlCol="0">
+            <a:spAutoFit/>
+          </a:bodyPr>
+          <a:lstStyle/>
+          <a:p>
+            <a:r>
+              <a:rPr lang="en-US" altLang="ko-KR" dirty="0"/>
+              <a:t>Maria DB</a:t>
+            </a:r>
+            <a:endParaRPr lang="ko-KR" altLang="en-US" dirty="0"/>
+          </a:p>
+        </p:txBody>
+      </p:sp>
+      <p:sp>
+        <p:nvSpPr>
+          <p:cNvPr id="18" name="TextBox 17">
+            <a:extLst>
+              <a:ext uri="{FF2B5EF4-FFF2-40B4-BE49-F238E27FC236}">
+                <a16:creationId xmlns:a16="http://schemas.microsoft.com/office/drawing/2014/main" id="{68AEFF52-2E6A-4B73-AE9B-3D3BC2606CD4}"/>
+              </a:ext>
+            </a:extLst>
+          </p:cNvPr>
+          <p:cNvSpPr txBox="1"/>
+          <p:nvPr/>
+        </p:nvSpPr>
+        <p:spPr>
+          <a:xfrm>
+            <a:off x="5603554" y="5111011"/>
+            <a:ext cx="984890" cy="369332"/>
+          </a:xfrm>
+          <a:prstGeom prst="rect">
+            <a:avLst/>
+          </a:prstGeom>
+          <a:noFill/>
+        </p:spPr>
+        <p:txBody>
+          <a:bodyPr wrap="square" rtlCol="0">
+            <a:spAutoFit/>
+          </a:bodyPr>
+          <a:lstStyle/>
+          <a:p>
+            <a:r>
+              <a:rPr lang="en-US" altLang="ko-KR" dirty="0"/>
+              <a:t>Django</a:t>
+            </a:r>
+            <a:endParaRPr lang="ko-KR" altLang="en-US" dirty="0"/>
+          </a:p>
+        </p:txBody>
+      </p:sp>
+      <p:sp>
+        <p:nvSpPr>
+          <p:cNvPr id="19" name="TextBox 18">
+            <a:extLst>
+              <a:ext uri="{FF2B5EF4-FFF2-40B4-BE49-F238E27FC236}">
+                <a16:creationId xmlns:a16="http://schemas.microsoft.com/office/drawing/2014/main" id="{F82044CE-3C70-409D-9EFB-42FB7F306969}"/>
+              </a:ext>
+            </a:extLst>
+          </p:cNvPr>
+          <p:cNvSpPr txBox="1"/>
+          <p:nvPr/>
+        </p:nvSpPr>
+        <p:spPr>
+          <a:xfrm>
+            <a:off x="9207591" y="5111011"/>
+            <a:ext cx="984890" cy="369332"/>
+          </a:xfrm>
+          <a:prstGeom prst="rect">
+            <a:avLst/>
+          </a:prstGeom>
+          <a:noFill/>
+        </p:spPr>
+        <p:txBody>
+          <a:bodyPr wrap="square" rtlCol="0">
+            <a:spAutoFit/>
+          </a:bodyPr>
+          <a:lstStyle/>
+          <a:p>
+            <a:r>
+              <a:rPr lang="en-US" altLang="ko-KR" dirty="0"/>
+              <a:t>docker</a:t>
+            </a:r>
+            <a:endParaRPr lang="ko-KR" altLang="en-US" dirty="0"/>
+          </a:p>
+        </p:txBody>
+      </p:sp>
+      <p:pic>
+        <p:nvPicPr>
+          <p:cNvPr id="3" name="그림 2">
+            <a:extLst>
+              <a:ext uri="{FF2B5EF4-FFF2-40B4-BE49-F238E27FC236}">
+                <a16:creationId xmlns:a16="http://schemas.microsoft.com/office/drawing/2014/main" id="{6494FCEE-4D55-4152-B457-3C491C14B60B}"/>
+              </a:ext>
+            </a:extLst>
+          </p:cNvPr>
+          <p:cNvPicPr>
+            <a:picLocks noChangeAspect="1"/>
+          </p:cNvPicPr>
+          <p:nvPr/>
+        </p:nvPicPr>
+        <p:blipFill>
+          <a:blip r:embed="rId2">
+            <a:extLst>
+              <a:ext uri="{28A0092B-C50C-407E-A947-70E740481C1C}">
+                <a14:useLocalDpi xmlns:a14="http://schemas.microsoft.com/office/drawing/2010/main" val="0"/>
+              </a:ext>
+            </a:extLst>
+          </a:blip>
+          <a:stretch>
+            <a:fillRect/>
+          </a:stretch>
+        </p:blipFill>
+        <p:spPr>
+          <a:xfrm>
+            <a:off x="991147" y="2860256"/>
+            <a:ext cx="3238500" cy="1666875"/>
+          </a:xfrm>
+          <a:prstGeom prst="rect">
+            <a:avLst/>
+          </a:prstGeom>
+        </p:spPr>
+      </p:pic>
+      <p:pic>
+        <p:nvPicPr>
+          <p:cNvPr id="6" name="그림 5">
+            <a:extLst>
+              <a:ext uri="{FF2B5EF4-FFF2-40B4-BE49-F238E27FC236}">
+                <a16:creationId xmlns:a16="http://schemas.microsoft.com/office/drawing/2014/main" id="{0585BC14-F8B3-45D6-B5D5-08F53A8EE537}"/>
+              </a:ext>
+            </a:extLst>
+          </p:cNvPr>
+          <p:cNvPicPr>
+            <a:picLocks noChangeAspect="1"/>
+          </p:cNvPicPr>
+          <p:nvPr/>
+        </p:nvPicPr>
+        <p:blipFill>
+          <a:blip r:embed="rId3">
+            <a:extLst>
+              <a:ext uri="{28A0092B-C50C-407E-A947-70E740481C1C}">
+                <a14:useLocalDpi xmlns:a14="http://schemas.microsoft.com/office/drawing/2010/main" val="0"/>
+              </a:ext>
+            </a:extLst>
+          </a:blip>
+          <a:stretch>
+            <a:fillRect/>
+          </a:stretch>
+        </p:blipFill>
+        <p:spPr>
+          <a:xfrm>
+            <a:off x="4678681" y="2258564"/>
+            <a:ext cx="2834637" cy="2834637"/>
+          </a:xfrm>
+          <a:prstGeom prst="rect">
+            <a:avLst/>
+          </a:prstGeom>
+        </p:spPr>
+      </p:pic>
+      <p:pic>
+        <p:nvPicPr>
+          <p:cNvPr id="21" name="그림 20">
+            <a:extLst>
+              <a:ext uri="{FF2B5EF4-FFF2-40B4-BE49-F238E27FC236}">
+                <a16:creationId xmlns:a16="http://schemas.microsoft.com/office/drawing/2014/main" id="{46C0EEC2-ADFC-4C6E-BFD0-ACAFC7664C1A}"/>
+              </a:ext>
+            </a:extLst>
+          </p:cNvPr>
+          <p:cNvPicPr>
+            <a:picLocks noChangeAspect="1"/>
+          </p:cNvPicPr>
+          <p:nvPr/>
+        </p:nvPicPr>
+        <p:blipFill>
+          <a:blip r:embed="rId4">
+            <a:extLst>
+              <a:ext uri="{28A0092B-C50C-407E-A947-70E740481C1C}">
+                <a14:useLocalDpi xmlns:a14="http://schemas.microsoft.com/office/drawing/2010/main" val="0"/>
+              </a:ext>
+            </a:extLst>
+          </a:blip>
+          <a:stretch>
+            <a:fillRect/>
+          </a:stretch>
+        </p:blipFill>
+        <p:spPr>
+          <a:xfrm>
+            <a:off x="7992261" y="2392678"/>
+            <a:ext cx="3177233" cy="2834637"/>
+          </a:xfrm>
+          <a:prstGeom prst="rect">
+            <a:avLst/>
+          </a:prstGeom>
+        </p:spPr>
+      </p:pic>
+    </p:spTree>
+    <p:extLst>
+      <p:ext uri="{BB962C8B-B14F-4D97-AF65-F5344CB8AC3E}">
+        <p14:creationId xmlns:p14="http://schemas.microsoft.com/office/powerpoint/2010/main" val="3815749934"/>
+      </p:ext>
+    </p:extLst>
+  </p:cSld>
+  <p:clrMapOvr>
+    <a:masterClrMapping/>
+  </p:clrMapOvr>
+  <mc:AlternateContent xmlns:mc="http://schemas.openxmlformats.org/markup-compatibility/2006" xmlns:p159="http://schemas.microsoft.com/office/powerpoint/2015/09/main">
+    <mc:Choice Requires="p159">
+      <p:transition xmlns:p14="http://schemas.microsoft.com/office/powerpoint/2010/main" spd="slow" p14:dur="2000">
+        <p159:morph option="byObject"/>
+      </p:transition>
+    </mc:Choice>
+    <mc:Fallback xmlns="">
+      <p:transition spd="slow">
+        <p:fade/>
+      </p:transition>
+    </mc:Fallback>
+  </mc:AlternateContent>
+</p:sld>
+</file>
+
+<file path=ppt/slides/slide28.xml><?xml version="1.0" encoding="utf-8"?>
+<p:sld xmlns:a="http://schemas.openxmlformats.org/drawingml/2006/main" xmlns:r="http://schemas.openxmlformats.org/officeDocument/2006/relationships" xmlns:p="http://schemas.openxmlformats.org/presentationml/2006/main">
+  <p:cSld>
+    <p:spTree>
+      <p:nvGrpSpPr>
+        <p:cNvPr id="1" name=""/>
+        <p:cNvGrpSpPr/>
+        <p:nvPr/>
+      </p:nvGrpSpPr>
+      <p:grpSpPr>
+        <a:xfrm>
+          <a:off x="0" y="0"/>
+          <a:ext cx="0" cy="0"/>
+          <a:chOff x="0" y="0"/>
+          <a:chExt cx="0" cy="0"/>
+        </a:xfrm>
+      </p:grpSpPr>
+      <p:cxnSp>
+        <p:nvCxnSpPr>
+          <p:cNvPr id="4" name="직선 연결선 3">
+            <a:extLst>
+              <a:ext uri="{FF2B5EF4-FFF2-40B4-BE49-F238E27FC236}">
+                <a16:creationId xmlns:a16="http://schemas.microsoft.com/office/drawing/2014/main" id="{91783D2F-737E-4797-9853-8C85BE37E236}"/>
+              </a:ext>
+            </a:extLst>
+          </p:cNvPr>
+          <p:cNvCxnSpPr/>
+          <p:nvPr/>
+        </p:nvCxnSpPr>
+        <p:spPr>
+          <a:xfrm>
+            <a:off x="0" y="975360"/>
+            <a:ext cx="12192000" cy="0"/>
+          </a:xfrm>
+          <a:prstGeom prst="line">
+            <a:avLst/>
+          </a:prstGeom>
+        </p:spPr>
+        <p:style>
+          <a:lnRef idx="1">
+            <a:schemeClr val="accent1"/>
+          </a:lnRef>
+          <a:fillRef idx="0">
+            <a:schemeClr val="accent1"/>
+          </a:fillRef>
+          <a:effectRef idx="0">
+            <a:schemeClr val="accent1"/>
+          </a:effectRef>
+          <a:fontRef idx="minor">
+            <a:schemeClr val="tx1"/>
+          </a:fontRef>
+        </p:style>
+      </p:cxnSp>
+      <p:cxnSp>
+        <p:nvCxnSpPr>
+          <p:cNvPr id="9" name="직선 연결선 8">
+            <a:extLst>
+              <a:ext uri="{FF2B5EF4-FFF2-40B4-BE49-F238E27FC236}">
+                <a16:creationId xmlns:a16="http://schemas.microsoft.com/office/drawing/2014/main" id="{D6A7A377-A250-41DA-9D19-A01B016FFC8B}"/>
+              </a:ext>
+            </a:extLst>
+          </p:cNvPr>
+          <p:cNvCxnSpPr/>
+          <p:nvPr/>
+        </p:nvCxnSpPr>
+        <p:spPr>
+          <a:xfrm>
+            <a:off x="0" y="975360"/>
+            <a:ext cx="12192000" cy="0"/>
+          </a:xfrm>
+          <a:prstGeom prst="line">
+            <a:avLst/>
+          </a:prstGeom>
+        </p:spPr>
+        <p:style>
+          <a:lnRef idx="1">
+            <a:schemeClr val="accent1"/>
+          </a:lnRef>
+          <a:fillRef idx="0">
+            <a:schemeClr val="accent1"/>
+          </a:fillRef>
+          <a:effectRef idx="0">
+            <a:schemeClr val="accent1"/>
+          </a:effectRef>
+          <a:fontRef idx="minor">
+            <a:schemeClr val="tx1"/>
+          </a:fontRef>
+        </p:style>
+      </p:cxnSp>
+      <p:grpSp>
+        <p:nvGrpSpPr>
+          <p:cNvPr id="11" name="그룹 10">
+            <a:extLst>
+              <a:ext uri="{FF2B5EF4-FFF2-40B4-BE49-F238E27FC236}">
+                <a16:creationId xmlns:a16="http://schemas.microsoft.com/office/drawing/2014/main" id="{81913731-22C8-4446-8D62-9F00885AAEB7}"/>
+              </a:ext>
+            </a:extLst>
+          </p:cNvPr>
+          <p:cNvGrpSpPr/>
+          <p:nvPr/>
+        </p:nvGrpSpPr>
+        <p:grpSpPr>
+          <a:xfrm>
+            <a:off x="443030" y="263962"/>
+            <a:ext cx="8299917" cy="657663"/>
+            <a:chOff x="1558393" y="2715249"/>
+            <a:chExt cx="4354905" cy="657663"/>
+          </a:xfrm>
+        </p:grpSpPr>
+        <p:sp>
+          <p:nvSpPr>
+            <p:cNvPr id="12" name="TextBox 11">
+              <a:extLst>
+                <a:ext uri="{FF2B5EF4-FFF2-40B4-BE49-F238E27FC236}">
+                  <a16:creationId xmlns:a16="http://schemas.microsoft.com/office/drawing/2014/main" id="{5D9E9D9B-A88F-4DE9-BEC8-23F71092DC10}"/>
+                </a:ext>
+              </a:extLst>
+            </p:cNvPr>
+            <p:cNvSpPr txBox="1"/>
+            <p:nvPr/>
+          </p:nvSpPr>
+          <p:spPr>
+            <a:xfrm>
+              <a:off x="1558393" y="2715249"/>
+              <a:ext cx="417725" cy="646331"/>
+            </a:xfrm>
+            <a:prstGeom prst="rect">
+              <a:avLst/>
+            </a:prstGeom>
+            <a:noFill/>
+          </p:spPr>
+          <p:txBody>
+            <a:bodyPr wrap="square" rtlCol="0">
+              <a:spAutoFit/>
+            </a:bodyPr>
+            <a:lstStyle/>
+            <a:p>
+              <a:r>
+                <a:rPr lang="en-US" altLang="ko-KR" sz="3600" b="1" dirty="0"/>
+                <a:t>#6</a:t>
+              </a:r>
+              <a:r>
+                <a:rPr lang="en-US" altLang="ko-KR" b="1" dirty="0"/>
+                <a:t>, </a:t>
+              </a:r>
+              <a:endParaRPr lang="ko-KR" altLang="en-US" b="1" dirty="0"/>
+            </a:p>
+          </p:txBody>
+        </p:sp>
+        <p:sp>
+          <p:nvSpPr>
+            <p:cNvPr id="13" name="TextBox 12">
+              <a:extLst>
+                <a:ext uri="{FF2B5EF4-FFF2-40B4-BE49-F238E27FC236}">
+                  <a16:creationId xmlns:a16="http://schemas.microsoft.com/office/drawing/2014/main" id="{7AF319B0-6EB5-4C57-9649-9DDFE5463B28}"/>
+                </a:ext>
+              </a:extLst>
+            </p:cNvPr>
+            <p:cNvSpPr txBox="1"/>
+            <p:nvPr/>
+          </p:nvSpPr>
+          <p:spPr>
+            <a:xfrm>
+              <a:off x="1983459" y="2726581"/>
+              <a:ext cx="3929839" cy="646331"/>
+            </a:xfrm>
+            <a:prstGeom prst="rect">
+              <a:avLst/>
+            </a:prstGeom>
+            <a:noFill/>
+          </p:spPr>
+          <p:txBody>
+            <a:bodyPr wrap="square" rtlCol="0">
+              <a:spAutoFit/>
+            </a:bodyPr>
+            <a:lstStyle/>
+            <a:p>
+              <a:r>
+                <a:rPr lang="ko-KR" altLang="en-US" sz="3600" b="1" dirty="0">
+                  <a:latin typeface="나눔스퀘어 ExtraBold" panose="020B0600000101010101" pitchFamily="50" charset="-127"/>
+                  <a:ea typeface="나눔스퀘어 ExtraBold" panose="020B0600000101010101" pitchFamily="50" charset="-127"/>
+                </a:rPr>
+                <a:t>개발 환경 및 개발 방법 </a:t>
+              </a:r>
+            </a:p>
+          </p:txBody>
+        </p:sp>
+      </p:grpSp>
+      <p:sp>
+        <p:nvSpPr>
+          <p:cNvPr id="7" name="직사각형 6">
+            <a:extLst>
+              <a:ext uri="{FF2B5EF4-FFF2-40B4-BE49-F238E27FC236}">
+                <a16:creationId xmlns:a16="http://schemas.microsoft.com/office/drawing/2014/main" id="{FD4F1749-FC67-482F-8FBE-2F9ED47105F3}"/>
+              </a:ext>
+            </a:extLst>
+          </p:cNvPr>
+          <p:cNvSpPr/>
+          <p:nvPr/>
+        </p:nvSpPr>
+        <p:spPr>
+          <a:xfrm>
             <a:off x="2131350" y="2264800"/>
             <a:ext cx="2834638" cy="2834638"/>
           </a:xfrm>
@@ -17468,7 +18087,7 @@
 </p:sld>
 </file>
 
-<file path=ppt/slides/slide28.xml><?xml version="1.0" encoding="utf-8"?>
+<file path=ppt/slides/slide29.xml><?xml version="1.0" encoding="utf-8"?>
 <p:sld xmlns:a="http://schemas.openxmlformats.org/drawingml/2006/main" xmlns:r="http://schemas.openxmlformats.org/officeDocument/2006/relationships" xmlns:p="http://schemas.openxmlformats.org/presentationml/2006/main">
   <p:cSld>
     <p:spTree>
@@ -17971,461 +18590,6 @@
     <p:extLst>
       <p:ext uri="{BB962C8B-B14F-4D97-AF65-F5344CB8AC3E}">
         <p14:creationId xmlns:p14="http://schemas.microsoft.com/office/powerpoint/2010/main" val="544772269"/>
-      </p:ext>
-    </p:extLst>
-  </p:cSld>
-  <p:clrMapOvr>
-    <a:masterClrMapping/>
-  </p:clrMapOvr>
-  <mc:AlternateContent xmlns:mc="http://schemas.openxmlformats.org/markup-compatibility/2006" xmlns:p159="http://schemas.microsoft.com/office/powerpoint/2015/09/main">
-    <mc:Choice Requires="p159">
-      <p:transition xmlns:p14="http://schemas.microsoft.com/office/powerpoint/2010/main" spd="slow" p14:dur="2000">
-        <p159:morph option="byObject"/>
-      </p:transition>
-    </mc:Choice>
-    <mc:Fallback xmlns="">
-      <p:transition spd="slow">
-        <p:fade/>
-      </p:transition>
-    </mc:Fallback>
-  </mc:AlternateContent>
-</p:sld>
-</file>
-
-<file path=ppt/slides/slide29.xml><?xml version="1.0" encoding="utf-8"?>
-<p:sld xmlns:a="http://schemas.openxmlformats.org/drawingml/2006/main" xmlns:r="http://schemas.openxmlformats.org/officeDocument/2006/relationships" xmlns:p="http://schemas.openxmlformats.org/presentationml/2006/main">
-  <p:cSld>
-    <p:spTree>
-      <p:nvGrpSpPr>
-        <p:cNvPr id="1" name=""/>
-        <p:cNvGrpSpPr/>
-        <p:nvPr/>
-      </p:nvGrpSpPr>
-      <p:grpSpPr>
-        <a:xfrm>
-          <a:off x="0" y="0"/>
-          <a:ext cx="0" cy="0"/>
-          <a:chOff x="0" y="0"/>
-          <a:chExt cx="0" cy="0"/>
-        </a:xfrm>
-      </p:grpSpPr>
-      <p:cxnSp>
-        <p:nvCxnSpPr>
-          <p:cNvPr id="4" name="직선 연결선 3">
-            <a:extLst>
-              <a:ext uri="{FF2B5EF4-FFF2-40B4-BE49-F238E27FC236}">
-                <a16:creationId xmlns:a16="http://schemas.microsoft.com/office/drawing/2014/main" id="{91783D2F-737E-4797-9853-8C85BE37E236}"/>
-              </a:ext>
-            </a:extLst>
-          </p:cNvPr>
-          <p:cNvCxnSpPr/>
-          <p:nvPr/>
-        </p:nvCxnSpPr>
-        <p:spPr>
-          <a:xfrm>
-            <a:off x="0" y="975360"/>
-            <a:ext cx="12192000" cy="0"/>
-          </a:xfrm>
-          <a:prstGeom prst="line">
-            <a:avLst/>
-          </a:prstGeom>
-        </p:spPr>
-        <p:style>
-          <a:lnRef idx="1">
-            <a:schemeClr val="accent1"/>
-          </a:lnRef>
-          <a:fillRef idx="0">
-            <a:schemeClr val="accent1"/>
-          </a:fillRef>
-          <a:effectRef idx="0">
-            <a:schemeClr val="accent1"/>
-          </a:effectRef>
-          <a:fontRef idx="minor">
-            <a:schemeClr val="tx1"/>
-          </a:fontRef>
-        </p:style>
-      </p:cxnSp>
-      <p:cxnSp>
-        <p:nvCxnSpPr>
-          <p:cNvPr id="9" name="직선 연결선 8">
-            <a:extLst>
-              <a:ext uri="{FF2B5EF4-FFF2-40B4-BE49-F238E27FC236}">
-                <a16:creationId xmlns:a16="http://schemas.microsoft.com/office/drawing/2014/main" id="{D6A7A377-A250-41DA-9D19-A01B016FFC8B}"/>
-              </a:ext>
-            </a:extLst>
-          </p:cNvPr>
-          <p:cNvCxnSpPr/>
-          <p:nvPr/>
-        </p:nvCxnSpPr>
-        <p:spPr>
-          <a:xfrm>
-            <a:off x="0" y="975360"/>
-            <a:ext cx="12192000" cy="0"/>
-          </a:xfrm>
-          <a:prstGeom prst="line">
-            <a:avLst/>
-          </a:prstGeom>
-        </p:spPr>
-        <p:style>
-          <a:lnRef idx="1">
-            <a:schemeClr val="accent1"/>
-          </a:lnRef>
-          <a:fillRef idx="0">
-            <a:schemeClr val="accent1"/>
-          </a:fillRef>
-          <a:effectRef idx="0">
-            <a:schemeClr val="accent1"/>
-          </a:effectRef>
-          <a:fontRef idx="minor">
-            <a:schemeClr val="tx1"/>
-          </a:fontRef>
-        </p:style>
-      </p:cxnSp>
-      <p:grpSp>
-        <p:nvGrpSpPr>
-          <p:cNvPr id="11" name="그룹 10">
-            <a:extLst>
-              <a:ext uri="{FF2B5EF4-FFF2-40B4-BE49-F238E27FC236}">
-                <a16:creationId xmlns:a16="http://schemas.microsoft.com/office/drawing/2014/main" id="{81913731-22C8-4446-8D62-9F00885AAEB7}"/>
-              </a:ext>
-            </a:extLst>
-          </p:cNvPr>
-          <p:cNvGrpSpPr/>
-          <p:nvPr/>
-        </p:nvGrpSpPr>
-        <p:grpSpPr>
-          <a:xfrm>
-            <a:off x="443030" y="263962"/>
-            <a:ext cx="8299917" cy="657663"/>
-            <a:chOff x="1558393" y="2715249"/>
-            <a:chExt cx="4354905" cy="657663"/>
-          </a:xfrm>
-        </p:grpSpPr>
-        <p:sp>
-          <p:nvSpPr>
-            <p:cNvPr id="12" name="TextBox 11">
-              <a:extLst>
-                <a:ext uri="{FF2B5EF4-FFF2-40B4-BE49-F238E27FC236}">
-                  <a16:creationId xmlns:a16="http://schemas.microsoft.com/office/drawing/2014/main" id="{5D9E9D9B-A88F-4DE9-BEC8-23F71092DC10}"/>
-                </a:ext>
-              </a:extLst>
-            </p:cNvPr>
-            <p:cNvSpPr txBox="1"/>
-            <p:nvPr/>
-          </p:nvSpPr>
-          <p:spPr>
-            <a:xfrm>
-              <a:off x="1558393" y="2715249"/>
-              <a:ext cx="417725" cy="646331"/>
-            </a:xfrm>
-            <a:prstGeom prst="rect">
-              <a:avLst/>
-            </a:prstGeom>
-            <a:noFill/>
-          </p:spPr>
-          <p:txBody>
-            <a:bodyPr wrap="square" rtlCol="0">
-              <a:spAutoFit/>
-            </a:bodyPr>
-            <a:lstStyle/>
-            <a:p>
-              <a:r>
-                <a:rPr lang="en-US" altLang="ko-KR" sz="3600" b="1" dirty="0"/>
-                <a:t>#7</a:t>
-              </a:r>
-              <a:r>
-                <a:rPr lang="en-US" altLang="ko-KR" b="1" dirty="0"/>
-                <a:t>, </a:t>
-              </a:r>
-              <a:endParaRPr lang="ko-KR" altLang="en-US" b="1" dirty="0"/>
-            </a:p>
-          </p:txBody>
-        </p:sp>
-        <p:sp>
-          <p:nvSpPr>
-            <p:cNvPr id="13" name="TextBox 12">
-              <a:extLst>
-                <a:ext uri="{FF2B5EF4-FFF2-40B4-BE49-F238E27FC236}">
-                  <a16:creationId xmlns:a16="http://schemas.microsoft.com/office/drawing/2014/main" id="{7AF319B0-6EB5-4C57-9649-9DDFE5463B28}"/>
-                </a:ext>
-              </a:extLst>
-            </p:cNvPr>
-            <p:cNvSpPr txBox="1"/>
-            <p:nvPr/>
-          </p:nvSpPr>
-          <p:spPr>
-            <a:xfrm>
-              <a:off x="1983459" y="2726581"/>
-              <a:ext cx="3929839" cy="646331"/>
-            </a:xfrm>
-            <a:prstGeom prst="rect">
-              <a:avLst/>
-            </a:prstGeom>
-            <a:noFill/>
-          </p:spPr>
-          <p:txBody>
-            <a:bodyPr wrap="square" rtlCol="0">
-              <a:spAutoFit/>
-            </a:bodyPr>
-            <a:lstStyle/>
-            <a:p>
-              <a:r>
-                <a:rPr lang="ko-KR" altLang="en-US" sz="3600" b="1" dirty="0">
-                  <a:latin typeface="나눔스퀘어 ExtraBold" panose="020B0600000101010101" pitchFamily="50" charset="-127"/>
-                  <a:ea typeface="나눔스퀘어 ExtraBold" panose="020B0600000101010101" pitchFamily="50" charset="-127"/>
-                </a:rPr>
-                <a:t>데모 환경 설계</a:t>
-              </a:r>
-            </a:p>
-          </p:txBody>
-        </p:sp>
-      </p:grpSp>
-      <p:sp>
-        <p:nvSpPr>
-          <p:cNvPr id="10" name="사각형: 둥근 모서리 9">
-            <a:extLst>
-              <a:ext uri="{FF2B5EF4-FFF2-40B4-BE49-F238E27FC236}">
-                <a16:creationId xmlns:a16="http://schemas.microsoft.com/office/drawing/2014/main" id="{2F5797E5-B2B3-4A64-A6D6-08E9D5FCD4F3}"/>
-              </a:ext>
-            </a:extLst>
-          </p:cNvPr>
-          <p:cNvSpPr/>
-          <p:nvPr/>
-        </p:nvSpPr>
-        <p:spPr>
-          <a:xfrm>
-            <a:off x="1429626" y="3109010"/>
-            <a:ext cx="2247089" cy="1060315"/>
-          </a:xfrm>
-          <a:prstGeom prst="roundRect">
-            <a:avLst/>
-          </a:prstGeom>
-        </p:spPr>
-        <p:style>
-          <a:lnRef idx="2">
-            <a:schemeClr val="dk1"/>
-          </a:lnRef>
-          <a:fillRef idx="1">
-            <a:schemeClr val="lt1"/>
-          </a:fillRef>
-          <a:effectRef idx="0">
-            <a:schemeClr val="dk1"/>
-          </a:effectRef>
-          <a:fontRef idx="minor">
-            <a:schemeClr val="dk1"/>
-          </a:fontRef>
-        </p:style>
-        <p:txBody>
-          <a:bodyPr rtlCol="0" anchor="ctr"/>
-          <a:lstStyle/>
-          <a:p>
-            <a:pPr algn="ctr"/>
-            <a:r>
-              <a:rPr lang="ko-KR" altLang="en-US" dirty="0"/>
-              <a:t>와이파이 모뎀에 </a:t>
-            </a:r>
-            <a:endParaRPr lang="en-US" altLang="ko-KR" dirty="0"/>
-          </a:p>
-          <a:p>
-            <a:pPr algn="ctr"/>
-            <a:r>
-              <a:rPr lang="en-US" altLang="ko-KR" dirty="0"/>
-              <a:t>Hue Bridge </a:t>
-            </a:r>
-            <a:r>
-              <a:rPr lang="ko-KR" altLang="en-US" dirty="0"/>
-              <a:t>연결</a:t>
-            </a:r>
-          </a:p>
-        </p:txBody>
-      </p:sp>
-      <p:sp>
-        <p:nvSpPr>
-          <p:cNvPr id="16" name="사각형: 둥근 모서리 15">
-            <a:extLst>
-              <a:ext uri="{FF2B5EF4-FFF2-40B4-BE49-F238E27FC236}">
-                <a16:creationId xmlns:a16="http://schemas.microsoft.com/office/drawing/2014/main" id="{B553368B-9BE9-4407-9758-1F9946CEFDE4}"/>
-              </a:ext>
-            </a:extLst>
-          </p:cNvPr>
-          <p:cNvSpPr/>
-          <p:nvPr/>
-        </p:nvSpPr>
-        <p:spPr>
-          <a:xfrm>
-            <a:off x="4849028" y="3109009"/>
-            <a:ext cx="2247089" cy="1060315"/>
-          </a:xfrm>
-          <a:prstGeom prst="roundRect">
-            <a:avLst/>
-          </a:prstGeom>
-        </p:spPr>
-        <p:style>
-          <a:lnRef idx="2">
-            <a:schemeClr val="dk1"/>
-          </a:lnRef>
-          <a:fillRef idx="1">
-            <a:schemeClr val="lt1"/>
-          </a:fillRef>
-          <a:effectRef idx="0">
-            <a:schemeClr val="dk1"/>
-          </a:effectRef>
-          <a:fontRef idx="minor">
-            <a:schemeClr val="dk1"/>
-          </a:fontRef>
-        </p:style>
-        <p:txBody>
-          <a:bodyPr rtlCol="0" anchor="ctr"/>
-          <a:lstStyle/>
-          <a:p>
-            <a:pPr algn="ctr"/>
-            <a:r>
-              <a:rPr lang="ko-KR" altLang="en-US" dirty="0"/>
-              <a:t>서버 실행</a:t>
-            </a:r>
-            <a:endParaRPr lang="en-US" altLang="ko-KR" dirty="0"/>
-          </a:p>
-        </p:txBody>
-      </p:sp>
-      <p:sp>
-        <p:nvSpPr>
-          <p:cNvPr id="17" name="사각형: 둥근 모서리 16">
-            <a:extLst>
-              <a:ext uri="{FF2B5EF4-FFF2-40B4-BE49-F238E27FC236}">
-                <a16:creationId xmlns:a16="http://schemas.microsoft.com/office/drawing/2014/main" id="{B4502BBD-904C-47ED-9DD3-9225246294AC}"/>
-              </a:ext>
-            </a:extLst>
-          </p:cNvPr>
-          <p:cNvSpPr/>
-          <p:nvPr/>
-        </p:nvSpPr>
-        <p:spPr>
-          <a:xfrm>
-            <a:off x="8268430" y="3109009"/>
-            <a:ext cx="2247089" cy="1060315"/>
-          </a:xfrm>
-          <a:prstGeom prst="roundRect">
-            <a:avLst/>
-          </a:prstGeom>
-        </p:spPr>
-        <p:style>
-          <a:lnRef idx="2">
-            <a:schemeClr val="dk1"/>
-          </a:lnRef>
-          <a:fillRef idx="1">
-            <a:schemeClr val="lt1"/>
-          </a:fillRef>
-          <a:effectRef idx="0">
-            <a:schemeClr val="dk1"/>
-          </a:effectRef>
-          <a:fontRef idx="minor">
-            <a:schemeClr val="dk1"/>
-          </a:fontRef>
-        </p:style>
-        <p:txBody>
-          <a:bodyPr rtlCol="0" anchor="ctr"/>
-          <a:lstStyle/>
-          <a:p>
-            <a:pPr algn="ctr"/>
-            <a:r>
-              <a:rPr lang="ko-KR" altLang="en-US" dirty="0"/>
-              <a:t>어플 실행</a:t>
-            </a:r>
-          </a:p>
-        </p:txBody>
-      </p:sp>
-      <p:sp>
-        <p:nvSpPr>
-          <p:cNvPr id="18" name="화살표: 오른쪽 17">
-            <a:extLst>
-              <a:ext uri="{FF2B5EF4-FFF2-40B4-BE49-F238E27FC236}">
-                <a16:creationId xmlns:a16="http://schemas.microsoft.com/office/drawing/2014/main" id="{3406D7FE-71A1-4032-8BA0-111A77E56307}"/>
-              </a:ext>
-            </a:extLst>
-          </p:cNvPr>
-          <p:cNvSpPr/>
-          <p:nvPr/>
-        </p:nvSpPr>
-        <p:spPr>
-          <a:xfrm>
-            <a:off x="3932131" y="3473798"/>
-            <a:ext cx="661481" cy="398834"/>
-          </a:xfrm>
-          <a:prstGeom prst="rightArrow">
-            <a:avLst/>
-          </a:prstGeom>
-        </p:spPr>
-        <p:style>
-          <a:lnRef idx="1">
-            <a:schemeClr val="accent4"/>
-          </a:lnRef>
-          <a:fillRef idx="3">
-            <a:schemeClr val="accent4"/>
-          </a:fillRef>
-          <a:effectRef idx="2">
-            <a:schemeClr val="accent4"/>
-          </a:effectRef>
-          <a:fontRef idx="minor">
-            <a:schemeClr val="lt1"/>
-          </a:fontRef>
-        </p:style>
-        <p:txBody>
-          <a:bodyPr rtlCol="0" anchor="ctr"/>
-          <a:lstStyle/>
-          <a:p>
-            <a:pPr algn="ctr"/>
-            <a:endParaRPr lang="ko-KR" altLang="en-US"/>
-          </a:p>
-        </p:txBody>
-      </p:sp>
-      <p:sp>
-        <p:nvSpPr>
-          <p:cNvPr id="19" name="화살표: 오른쪽 18">
-            <a:extLst>
-              <a:ext uri="{FF2B5EF4-FFF2-40B4-BE49-F238E27FC236}">
-                <a16:creationId xmlns:a16="http://schemas.microsoft.com/office/drawing/2014/main" id="{F0B580D1-94CB-4427-A8EF-D5DA0A73B0DF}"/>
-              </a:ext>
-            </a:extLst>
-          </p:cNvPr>
-          <p:cNvSpPr/>
-          <p:nvPr/>
-        </p:nvSpPr>
-        <p:spPr>
-          <a:xfrm>
-            <a:off x="7421118" y="3439749"/>
-            <a:ext cx="661481" cy="398834"/>
-          </a:xfrm>
-          <a:prstGeom prst="rightArrow">
-            <a:avLst/>
-          </a:prstGeom>
-        </p:spPr>
-        <p:style>
-          <a:lnRef idx="1">
-            <a:schemeClr val="accent4"/>
-          </a:lnRef>
-          <a:fillRef idx="3">
-            <a:schemeClr val="accent4"/>
-          </a:fillRef>
-          <a:effectRef idx="2">
-            <a:schemeClr val="accent4"/>
-          </a:effectRef>
-          <a:fontRef idx="minor">
-            <a:schemeClr val="lt1"/>
-          </a:fontRef>
-        </p:style>
-        <p:txBody>
-          <a:bodyPr rtlCol="0" anchor="ctr"/>
-          <a:lstStyle/>
-          <a:p>
-            <a:pPr algn="ctr"/>
-            <a:endParaRPr lang="ko-KR" altLang="en-US"/>
-          </a:p>
-        </p:txBody>
-      </p:sp>
-    </p:spTree>
-    <p:extLst>
-      <p:ext uri="{BB962C8B-B14F-4D97-AF65-F5344CB8AC3E}">
-        <p14:creationId xmlns:p14="http://schemas.microsoft.com/office/powerpoint/2010/main" val="331822585"/>
       </p:ext>
     </p:extLst>
   </p:cSld>
@@ -19048,6 +19212,461 @@
         <p:grpSpPr>
           <a:xfrm>
             <a:off x="443030" y="263962"/>
+            <a:ext cx="8299917" cy="657663"/>
+            <a:chOff x="1558393" y="2715249"/>
+            <a:chExt cx="4354905" cy="657663"/>
+          </a:xfrm>
+        </p:grpSpPr>
+        <p:sp>
+          <p:nvSpPr>
+            <p:cNvPr id="12" name="TextBox 11">
+              <a:extLst>
+                <a:ext uri="{FF2B5EF4-FFF2-40B4-BE49-F238E27FC236}">
+                  <a16:creationId xmlns:a16="http://schemas.microsoft.com/office/drawing/2014/main" id="{5D9E9D9B-A88F-4DE9-BEC8-23F71092DC10}"/>
+                </a:ext>
+              </a:extLst>
+            </p:cNvPr>
+            <p:cNvSpPr txBox="1"/>
+            <p:nvPr/>
+          </p:nvSpPr>
+          <p:spPr>
+            <a:xfrm>
+              <a:off x="1558393" y="2715249"/>
+              <a:ext cx="417725" cy="646331"/>
+            </a:xfrm>
+            <a:prstGeom prst="rect">
+              <a:avLst/>
+            </a:prstGeom>
+            <a:noFill/>
+          </p:spPr>
+          <p:txBody>
+            <a:bodyPr wrap="square" rtlCol="0">
+              <a:spAutoFit/>
+            </a:bodyPr>
+            <a:lstStyle/>
+            <a:p>
+              <a:r>
+                <a:rPr lang="en-US" altLang="ko-KR" sz="3600" b="1" dirty="0"/>
+                <a:t>#7</a:t>
+              </a:r>
+              <a:r>
+                <a:rPr lang="en-US" altLang="ko-KR" b="1" dirty="0"/>
+                <a:t>, </a:t>
+              </a:r>
+              <a:endParaRPr lang="ko-KR" altLang="en-US" b="1" dirty="0"/>
+            </a:p>
+          </p:txBody>
+        </p:sp>
+        <p:sp>
+          <p:nvSpPr>
+            <p:cNvPr id="13" name="TextBox 12">
+              <a:extLst>
+                <a:ext uri="{FF2B5EF4-FFF2-40B4-BE49-F238E27FC236}">
+                  <a16:creationId xmlns:a16="http://schemas.microsoft.com/office/drawing/2014/main" id="{7AF319B0-6EB5-4C57-9649-9DDFE5463B28}"/>
+                </a:ext>
+              </a:extLst>
+            </p:cNvPr>
+            <p:cNvSpPr txBox="1"/>
+            <p:nvPr/>
+          </p:nvSpPr>
+          <p:spPr>
+            <a:xfrm>
+              <a:off x="1983459" y="2726581"/>
+              <a:ext cx="3929839" cy="646331"/>
+            </a:xfrm>
+            <a:prstGeom prst="rect">
+              <a:avLst/>
+            </a:prstGeom>
+            <a:noFill/>
+          </p:spPr>
+          <p:txBody>
+            <a:bodyPr wrap="square" rtlCol="0">
+              <a:spAutoFit/>
+            </a:bodyPr>
+            <a:lstStyle/>
+            <a:p>
+              <a:r>
+                <a:rPr lang="ko-KR" altLang="en-US" sz="3600" b="1" dirty="0">
+                  <a:latin typeface="나눔스퀘어 ExtraBold" panose="020B0600000101010101" pitchFamily="50" charset="-127"/>
+                  <a:ea typeface="나눔스퀘어 ExtraBold" panose="020B0600000101010101" pitchFamily="50" charset="-127"/>
+                </a:rPr>
+                <a:t>데모 환경 설계</a:t>
+              </a:r>
+            </a:p>
+          </p:txBody>
+        </p:sp>
+      </p:grpSp>
+      <p:sp>
+        <p:nvSpPr>
+          <p:cNvPr id="10" name="사각형: 둥근 모서리 9">
+            <a:extLst>
+              <a:ext uri="{FF2B5EF4-FFF2-40B4-BE49-F238E27FC236}">
+                <a16:creationId xmlns:a16="http://schemas.microsoft.com/office/drawing/2014/main" id="{2F5797E5-B2B3-4A64-A6D6-08E9D5FCD4F3}"/>
+              </a:ext>
+            </a:extLst>
+          </p:cNvPr>
+          <p:cNvSpPr/>
+          <p:nvPr/>
+        </p:nvSpPr>
+        <p:spPr>
+          <a:xfrm>
+            <a:off x="1429626" y="3109010"/>
+            <a:ext cx="2247089" cy="1060315"/>
+          </a:xfrm>
+          <a:prstGeom prst="roundRect">
+            <a:avLst/>
+          </a:prstGeom>
+        </p:spPr>
+        <p:style>
+          <a:lnRef idx="2">
+            <a:schemeClr val="dk1"/>
+          </a:lnRef>
+          <a:fillRef idx="1">
+            <a:schemeClr val="lt1"/>
+          </a:fillRef>
+          <a:effectRef idx="0">
+            <a:schemeClr val="dk1"/>
+          </a:effectRef>
+          <a:fontRef idx="minor">
+            <a:schemeClr val="dk1"/>
+          </a:fontRef>
+        </p:style>
+        <p:txBody>
+          <a:bodyPr rtlCol="0" anchor="ctr"/>
+          <a:lstStyle/>
+          <a:p>
+            <a:pPr algn="ctr"/>
+            <a:r>
+              <a:rPr lang="ko-KR" altLang="en-US" dirty="0"/>
+              <a:t>와이파이 모뎀에 </a:t>
+            </a:r>
+            <a:endParaRPr lang="en-US" altLang="ko-KR" dirty="0"/>
+          </a:p>
+          <a:p>
+            <a:pPr algn="ctr"/>
+            <a:r>
+              <a:rPr lang="en-US" altLang="ko-KR" dirty="0"/>
+              <a:t>Hue Bridge </a:t>
+            </a:r>
+            <a:r>
+              <a:rPr lang="ko-KR" altLang="en-US" dirty="0"/>
+              <a:t>연결</a:t>
+            </a:r>
+          </a:p>
+        </p:txBody>
+      </p:sp>
+      <p:sp>
+        <p:nvSpPr>
+          <p:cNvPr id="16" name="사각형: 둥근 모서리 15">
+            <a:extLst>
+              <a:ext uri="{FF2B5EF4-FFF2-40B4-BE49-F238E27FC236}">
+                <a16:creationId xmlns:a16="http://schemas.microsoft.com/office/drawing/2014/main" id="{B553368B-9BE9-4407-9758-1F9946CEFDE4}"/>
+              </a:ext>
+            </a:extLst>
+          </p:cNvPr>
+          <p:cNvSpPr/>
+          <p:nvPr/>
+        </p:nvSpPr>
+        <p:spPr>
+          <a:xfrm>
+            <a:off x="4849028" y="3109009"/>
+            <a:ext cx="2247089" cy="1060315"/>
+          </a:xfrm>
+          <a:prstGeom prst="roundRect">
+            <a:avLst/>
+          </a:prstGeom>
+        </p:spPr>
+        <p:style>
+          <a:lnRef idx="2">
+            <a:schemeClr val="dk1"/>
+          </a:lnRef>
+          <a:fillRef idx="1">
+            <a:schemeClr val="lt1"/>
+          </a:fillRef>
+          <a:effectRef idx="0">
+            <a:schemeClr val="dk1"/>
+          </a:effectRef>
+          <a:fontRef idx="minor">
+            <a:schemeClr val="dk1"/>
+          </a:fontRef>
+        </p:style>
+        <p:txBody>
+          <a:bodyPr rtlCol="0" anchor="ctr"/>
+          <a:lstStyle/>
+          <a:p>
+            <a:pPr algn="ctr"/>
+            <a:r>
+              <a:rPr lang="ko-KR" altLang="en-US" dirty="0"/>
+              <a:t>서버 실행</a:t>
+            </a:r>
+            <a:endParaRPr lang="en-US" altLang="ko-KR" dirty="0"/>
+          </a:p>
+        </p:txBody>
+      </p:sp>
+      <p:sp>
+        <p:nvSpPr>
+          <p:cNvPr id="17" name="사각형: 둥근 모서리 16">
+            <a:extLst>
+              <a:ext uri="{FF2B5EF4-FFF2-40B4-BE49-F238E27FC236}">
+                <a16:creationId xmlns:a16="http://schemas.microsoft.com/office/drawing/2014/main" id="{B4502BBD-904C-47ED-9DD3-9225246294AC}"/>
+              </a:ext>
+            </a:extLst>
+          </p:cNvPr>
+          <p:cNvSpPr/>
+          <p:nvPr/>
+        </p:nvSpPr>
+        <p:spPr>
+          <a:xfrm>
+            <a:off x="8268430" y="3109009"/>
+            <a:ext cx="2247089" cy="1060315"/>
+          </a:xfrm>
+          <a:prstGeom prst="roundRect">
+            <a:avLst/>
+          </a:prstGeom>
+        </p:spPr>
+        <p:style>
+          <a:lnRef idx="2">
+            <a:schemeClr val="dk1"/>
+          </a:lnRef>
+          <a:fillRef idx="1">
+            <a:schemeClr val="lt1"/>
+          </a:fillRef>
+          <a:effectRef idx="0">
+            <a:schemeClr val="dk1"/>
+          </a:effectRef>
+          <a:fontRef idx="minor">
+            <a:schemeClr val="dk1"/>
+          </a:fontRef>
+        </p:style>
+        <p:txBody>
+          <a:bodyPr rtlCol="0" anchor="ctr"/>
+          <a:lstStyle/>
+          <a:p>
+            <a:pPr algn="ctr"/>
+            <a:r>
+              <a:rPr lang="ko-KR" altLang="en-US" dirty="0"/>
+              <a:t>어플 실행</a:t>
+            </a:r>
+          </a:p>
+        </p:txBody>
+      </p:sp>
+      <p:sp>
+        <p:nvSpPr>
+          <p:cNvPr id="18" name="화살표: 오른쪽 17">
+            <a:extLst>
+              <a:ext uri="{FF2B5EF4-FFF2-40B4-BE49-F238E27FC236}">
+                <a16:creationId xmlns:a16="http://schemas.microsoft.com/office/drawing/2014/main" id="{3406D7FE-71A1-4032-8BA0-111A77E56307}"/>
+              </a:ext>
+            </a:extLst>
+          </p:cNvPr>
+          <p:cNvSpPr/>
+          <p:nvPr/>
+        </p:nvSpPr>
+        <p:spPr>
+          <a:xfrm>
+            <a:off x="3932131" y="3473798"/>
+            <a:ext cx="661481" cy="398834"/>
+          </a:xfrm>
+          <a:prstGeom prst="rightArrow">
+            <a:avLst/>
+          </a:prstGeom>
+        </p:spPr>
+        <p:style>
+          <a:lnRef idx="1">
+            <a:schemeClr val="accent4"/>
+          </a:lnRef>
+          <a:fillRef idx="3">
+            <a:schemeClr val="accent4"/>
+          </a:fillRef>
+          <a:effectRef idx="2">
+            <a:schemeClr val="accent4"/>
+          </a:effectRef>
+          <a:fontRef idx="minor">
+            <a:schemeClr val="lt1"/>
+          </a:fontRef>
+        </p:style>
+        <p:txBody>
+          <a:bodyPr rtlCol="0" anchor="ctr"/>
+          <a:lstStyle/>
+          <a:p>
+            <a:pPr algn="ctr"/>
+            <a:endParaRPr lang="ko-KR" altLang="en-US"/>
+          </a:p>
+        </p:txBody>
+      </p:sp>
+      <p:sp>
+        <p:nvSpPr>
+          <p:cNvPr id="19" name="화살표: 오른쪽 18">
+            <a:extLst>
+              <a:ext uri="{FF2B5EF4-FFF2-40B4-BE49-F238E27FC236}">
+                <a16:creationId xmlns:a16="http://schemas.microsoft.com/office/drawing/2014/main" id="{F0B580D1-94CB-4427-A8EF-D5DA0A73B0DF}"/>
+              </a:ext>
+            </a:extLst>
+          </p:cNvPr>
+          <p:cNvSpPr/>
+          <p:nvPr/>
+        </p:nvSpPr>
+        <p:spPr>
+          <a:xfrm>
+            <a:off x="7421118" y="3439749"/>
+            <a:ext cx="661481" cy="398834"/>
+          </a:xfrm>
+          <a:prstGeom prst="rightArrow">
+            <a:avLst/>
+          </a:prstGeom>
+        </p:spPr>
+        <p:style>
+          <a:lnRef idx="1">
+            <a:schemeClr val="accent4"/>
+          </a:lnRef>
+          <a:fillRef idx="3">
+            <a:schemeClr val="accent4"/>
+          </a:fillRef>
+          <a:effectRef idx="2">
+            <a:schemeClr val="accent4"/>
+          </a:effectRef>
+          <a:fontRef idx="minor">
+            <a:schemeClr val="lt1"/>
+          </a:fontRef>
+        </p:style>
+        <p:txBody>
+          <a:bodyPr rtlCol="0" anchor="ctr"/>
+          <a:lstStyle/>
+          <a:p>
+            <a:pPr algn="ctr"/>
+            <a:endParaRPr lang="ko-KR" altLang="en-US"/>
+          </a:p>
+        </p:txBody>
+      </p:sp>
+    </p:spTree>
+    <p:extLst>
+      <p:ext uri="{BB962C8B-B14F-4D97-AF65-F5344CB8AC3E}">
+        <p14:creationId xmlns:p14="http://schemas.microsoft.com/office/powerpoint/2010/main" val="331822585"/>
+      </p:ext>
+    </p:extLst>
+  </p:cSld>
+  <p:clrMapOvr>
+    <a:masterClrMapping/>
+  </p:clrMapOvr>
+  <mc:AlternateContent xmlns:mc="http://schemas.openxmlformats.org/markup-compatibility/2006" xmlns:p159="http://schemas.microsoft.com/office/powerpoint/2015/09/main">
+    <mc:Choice Requires="p159">
+      <p:transition xmlns:p14="http://schemas.microsoft.com/office/powerpoint/2010/main" spd="slow" p14:dur="2000">
+        <p159:morph option="byObject"/>
+      </p:transition>
+    </mc:Choice>
+    <mc:Fallback xmlns="">
+      <p:transition spd="slow">
+        <p:fade/>
+      </p:transition>
+    </mc:Fallback>
+  </mc:AlternateContent>
+</p:sld>
+</file>
+
+<file path=ppt/slides/slide31.xml><?xml version="1.0" encoding="utf-8"?>
+<p:sld xmlns:a="http://schemas.openxmlformats.org/drawingml/2006/main" xmlns:r="http://schemas.openxmlformats.org/officeDocument/2006/relationships" xmlns:p="http://schemas.openxmlformats.org/presentationml/2006/main">
+  <p:cSld>
+    <p:spTree>
+      <p:nvGrpSpPr>
+        <p:cNvPr id="1" name=""/>
+        <p:cNvGrpSpPr/>
+        <p:nvPr/>
+      </p:nvGrpSpPr>
+      <p:grpSpPr>
+        <a:xfrm>
+          <a:off x="0" y="0"/>
+          <a:ext cx="0" cy="0"/>
+          <a:chOff x="0" y="0"/>
+          <a:chExt cx="0" cy="0"/>
+        </a:xfrm>
+      </p:grpSpPr>
+      <p:cxnSp>
+        <p:nvCxnSpPr>
+          <p:cNvPr id="4" name="직선 연결선 3">
+            <a:extLst>
+              <a:ext uri="{FF2B5EF4-FFF2-40B4-BE49-F238E27FC236}">
+                <a16:creationId xmlns:a16="http://schemas.microsoft.com/office/drawing/2014/main" id="{91783D2F-737E-4797-9853-8C85BE37E236}"/>
+              </a:ext>
+            </a:extLst>
+          </p:cNvPr>
+          <p:cNvCxnSpPr/>
+          <p:nvPr/>
+        </p:nvCxnSpPr>
+        <p:spPr>
+          <a:xfrm>
+            <a:off x="0" y="975360"/>
+            <a:ext cx="12192000" cy="0"/>
+          </a:xfrm>
+          <a:prstGeom prst="line">
+            <a:avLst/>
+          </a:prstGeom>
+        </p:spPr>
+        <p:style>
+          <a:lnRef idx="1">
+            <a:schemeClr val="accent1"/>
+          </a:lnRef>
+          <a:fillRef idx="0">
+            <a:schemeClr val="accent1"/>
+          </a:fillRef>
+          <a:effectRef idx="0">
+            <a:schemeClr val="accent1"/>
+          </a:effectRef>
+          <a:fontRef idx="minor">
+            <a:schemeClr val="tx1"/>
+          </a:fontRef>
+        </p:style>
+      </p:cxnSp>
+      <p:cxnSp>
+        <p:nvCxnSpPr>
+          <p:cNvPr id="9" name="직선 연결선 8">
+            <a:extLst>
+              <a:ext uri="{FF2B5EF4-FFF2-40B4-BE49-F238E27FC236}">
+                <a16:creationId xmlns:a16="http://schemas.microsoft.com/office/drawing/2014/main" id="{D6A7A377-A250-41DA-9D19-A01B016FFC8B}"/>
+              </a:ext>
+            </a:extLst>
+          </p:cNvPr>
+          <p:cNvCxnSpPr/>
+          <p:nvPr/>
+        </p:nvCxnSpPr>
+        <p:spPr>
+          <a:xfrm>
+            <a:off x="0" y="975360"/>
+            <a:ext cx="12192000" cy="0"/>
+          </a:xfrm>
+          <a:prstGeom prst="line">
+            <a:avLst/>
+          </a:prstGeom>
+        </p:spPr>
+        <p:style>
+          <a:lnRef idx="1">
+            <a:schemeClr val="accent1"/>
+          </a:lnRef>
+          <a:fillRef idx="0">
+            <a:schemeClr val="accent1"/>
+          </a:fillRef>
+          <a:effectRef idx="0">
+            <a:schemeClr val="accent1"/>
+          </a:effectRef>
+          <a:fontRef idx="minor">
+            <a:schemeClr val="tx1"/>
+          </a:fontRef>
+        </p:style>
+      </p:cxnSp>
+      <p:grpSp>
+        <p:nvGrpSpPr>
+          <p:cNvPr id="11" name="그룹 10">
+            <a:extLst>
+              <a:ext uri="{FF2B5EF4-FFF2-40B4-BE49-F238E27FC236}">
+                <a16:creationId xmlns:a16="http://schemas.microsoft.com/office/drawing/2014/main" id="{81913731-22C8-4446-8D62-9F00885AAEB7}"/>
+              </a:ext>
+            </a:extLst>
+          </p:cNvPr>
+          <p:cNvGrpSpPr/>
+          <p:nvPr/>
+        </p:nvGrpSpPr>
+        <p:grpSpPr>
+          <a:xfrm>
+            <a:off x="443030" y="263962"/>
             <a:ext cx="8285926" cy="646331"/>
             <a:chOff x="1558393" y="2715249"/>
             <a:chExt cx="4347564" cy="646331"/>
@@ -20359,7 +20978,7 @@
 </p:sld>
 </file>
 
-<file path=ppt/slides/slide31.xml><?xml version="1.0" encoding="utf-8"?>
+<file path=ppt/slides/slide32.xml><?xml version="1.0" encoding="utf-8"?>
 <p:sld xmlns:a="http://schemas.openxmlformats.org/drawingml/2006/main" xmlns:r="http://schemas.openxmlformats.org/officeDocument/2006/relationships" xmlns:p="http://schemas.openxmlformats.org/presentationml/2006/main">
   <p:cSld>
     <p:spTree>
@@ -24108,7 +24727,7 @@
 </p:sld>
 </file>
 
-<file path=ppt/slides/slide32.xml><?xml version="1.0" encoding="utf-8"?>
+<file path=ppt/slides/slide33.xml><?xml version="1.0" encoding="utf-8"?>
 <p:sld xmlns:a="http://schemas.openxmlformats.org/drawingml/2006/main" xmlns:r="http://schemas.openxmlformats.org/officeDocument/2006/relationships" xmlns:p="http://schemas.openxmlformats.org/presentationml/2006/main">
   <p:cSld>
     <p:spTree>
@@ -24756,7 +25375,7 @@
 </p:sld>
 </file>
 
-<file path=ppt/slides/slide33.xml><?xml version="1.0" encoding="utf-8"?>
+<file path=ppt/slides/slide34.xml><?xml version="1.0" encoding="utf-8"?>
 <p:sld xmlns:a="http://schemas.openxmlformats.org/drawingml/2006/main" xmlns:r="http://schemas.openxmlformats.org/officeDocument/2006/relationships" xmlns:p="http://schemas.openxmlformats.org/presentationml/2006/main">
   <p:cSld>
     <p:spTree>
@@ -24988,7 +25607,7 @@
 </p:sld>
 </file>
 
-<file path=ppt/slides/slide34.xml><?xml version="1.0" encoding="utf-8"?>
+<file path=ppt/slides/slide35.xml><?xml version="1.0" encoding="utf-8"?>
 <p:sld xmlns:a="http://schemas.openxmlformats.org/drawingml/2006/main" xmlns:r="http://schemas.openxmlformats.org/officeDocument/2006/relationships" xmlns:p="http://schemas.openxmlformats.org/presentationml/2006/main">
   <p:cSld>
     <p:spTree>
